--- a/notes/07_owl/07OWLn3.pptx
+++ b/notes/07_owl/07OWLn3.pptx
@@ -5,16 +5,17 @@
     <p:sldMasterId id="2147483649" r:id="rId1"/>
   </p:sldMasterIdLst>
   <p:notesMasterIdLst>
-    <p:notesMasterId r:id="rId6"/>
+    <p:notesMasterId r:id="rId7"/>
   </p:notesMasterIdLst>
   <p:handoutMasterIdLst>
-    <p:handoutMasterId r:id="rId7"/>
+    <p:handoutMasterId r:id="rId8"/>
   </p:handoutMasterIdLst>
   <p:sldIdLst>
     <p:sldId id="256" r:id="rId2"/>
-    <p:sldId id="257" r:id="rId3"/>
-    <p:sldId id="259" r:id="rId4"/>
-    <p:sldId id="258" r:id="rId5"/>
+    <p:sldId id="260" r:id="rId3"/>
+    <p:sldId id="257" r:id="rId4"/>
+    <p:sldId id="259" r:id="rId5"/>
+    <p:sldId id="258" r:id="rId6"/>
   </p:sldIdLst>
   <p:sldSz cx="9144000" cy="6858000" type="screen4x3"/>
   <p:notesSz cx="9601200" cy="7315200"/>
@@ -549,10 +550,10 @@
           </a:ln>
           <a:extLst>
             <a:ext uri="{FAA26D3D-D897-4be2-8F04-BA451C77F1D7}">
-              <ma14:placeholderFlag xmlns:ma14="http://schemas.microsoft.com/office/mac/drawingml/2011/main" val="1"/>
+              <ma14:placeholderFlag xmlns:ma14="http://schemas.microsoft.com/office/mac/drawingml/2011/main" xmlns="" val="1"/>
             </a:ext>
             <a:ext uri="{909E8E84-426E-40dd-AFC4-6F175D3DCCD1}">
-              <a14:hiddenFill xmlns:a14="http://schemas.microsoft.com/office/drawing/2010/main" xmlns="">
+              <a14:hiddenFill xmlns="" xmlns:a14="http://schemas.microsoft.com/office/drawing/2010/main">
                 <a:solidFill>
                   <a:srgbClr val="FFFFFF"/>
                 </a:solidFill>
@@ -896,14 +897,14 @@
           <a:ln/>
           <a:extLst>
             <a:ext uri="{909E8E84-426E-40dd-AFC4-6F175D3DCCD1}">
-              <a14:hiddenFill xmlns:a14="http://schemas.microsoft.com/office/drawing/2010/main" xmlns="">
+              <a14:hiddenFill xmlns="" xmlns:a14="http://schemas.microsoft.com/office/drawing/2010/main">
                 <a:solidFill>
                   <a:srgbClr val="FFFFFF"/>
                 </a:solidFill>
               </a14:hiddenFill>
             </a:ext>
             <a:ext uri="{91240B29-F687-4f45-9708-019B960494DF}">
-              <a14:hiddenLine xmlns:a14="http://schemas.microsoft.com/office/drawing/2010/main" xmlns="" w="9525">
+              <a14:hiddenLine xmlns="" xmlns:a14="http://schemas.microsoft.com/office/drawing/2010/main" w="9525">
                 <a:solidFill>
                   <a:srgbClr val="000000"/>
                 </a:solidFill>
@@ -1064,17 +1065,17 @@
           <a:ln/>
           <a:extLst>
             <a:ext uri="{FAA26D3D-D897-4be2-8F04-BA451C77F1D7}">
-              <ma14:placeholderFlag xmlns:ma14="http://schemas.microsoft.com/office/mac/drawingml/2011/main" val="1"/>
+              <ma14:placeholderFlag xmlns:ma14="http://schemas.microsoft.com/office/mac/drawingml/2011/main" xmlns="" val="1"/>
             </a:ext>
             <a:ext uri="{909E8E84-426E-40dd-AFC4-6F175D3DCCD1}">
-              <a14:hiddenFill xmlns:a14="http://schemas.microsoft.com/office/drawing/2010/main" xmlns="">
+              <a14:hiddenFill xmlns="" xmlns:a14="http://schemas.microsoft.com/office/drawing/2010/main">
                 <a:solidFill>
                   <a:srgbClr val="FFFFFF"/>
                 </a:solidFill>
               </a14:hiddenFill>
             </a:ext>
             <a:ext uri="{91240B29-F687-4f45-9708-019B960494DF}">
-              <a14:hiddenLine xmlns:a14="http://schemas.microsoft.com/office/drawing/2010/main" xmlns="" w="9525">
+              <a14:hiddenLine xmlns="" xmlns:a14="http://schemas.microsoft.com/office/drawing/2010/main" w="9525">
                 <a:solidFill>
                   <a:srgbClr val="000000"/>
                 </a:solidFill>
@@ -1238,10 +1239,9 @@
           <a:lstStyle/>
           <a:p>
             <a:r>
-              <a:rPr lang="en-US" smtClean="0"/>
+              <a:rPr lang="en-US"/>
               <a:t>Click to edit Master title style</a:t>
             </a:r>
-            <a:endParaRPr lang="en-US"/>
           </a:p>
         </p:txBody>
       </p:sp>
@@ -1262,38 +1262,37 @@
           <a:p>
             <a:pPr lvl="0"/>
             <a:r>
-              <a:rPr lang="en-US" smtClean="0"/>
+              <a:rPr lang="en-US"/>
               <a:t>Click to edit Master text styles</a:t>
             </a:r>
           </a:p>
           <a:p>
             <a:pPr lvl="1"/>
             <a:r>
-              <a:rPr lang="en-US" smtClean="0"/>
+              <a:rPr lang="en-US"/>
               <a:t>Second level</a:t>
             </a:r>
           </a:p>
           <a:p>
             <a:pPr lvl="2"/>
             <a:r>
-              <a:rPr lang="en-US" smtClean="0"/>
+              <a:rPr lang="en-US"/>
               <a:t>Third level</a:t>
             </a:r>
           </a:p>
           <a:p>
             <a:pPr lvl="3"/>
             <a:r>
-              <a:rPr lang="en-US" smtClean="0"/>
+              <a:rPr lang="en-US"/>
               <a:t>Fourth level</a:t>
             </a:r>
           </a:p>
           <a:p>
             <a:pPr lvl="4"/>
             <a:r>
-              <a:rPr lang="en-US" smtClean="0"/>
+              <a:rPr lang="en-US"/>
               <a:t>Fifth level</a:t>
             </a:r>
-            <a:endParaRPr lang="en-US"/>
           </a:p>
         </p:txBody>
       </p:sp>
@@ -1348,10 +1347,9 @@
           <a:lstStyle/>
           <a:p>
             <a:r>
-              <a:rPr lang="en-US" smtClean="0"/>
+              <a:rPr lang="en-US"/>
               <a:t>Click to edit Master title style</a:t>
             </a:r>
-            <a:endParaRPr lang="en-US"/>
           </a:p>
         </p:txBody>
       </p:sp>
@@ -1377,38 +1375,37 @@
           <a:p>
             <a:pPr lvl="0"/>
             <a:r>
-              <a:rPr lang="en-US" smtClean="0"/>
+              <a:rPr lang="en-US"/>
               <a:t>Click to edit Master text styles</a:t>
             </a:r>
           </a:p>
           <a:p>
             <a:pPr lvl="1"/>
             <a:r>
-              <a:rPr lang="en-US" smtClean="0"/>
+              <a:rPr lang="en-US"/>
               <a:t>Second level</a:t>
             </a:r>
           </a:p>
           <a:p>
             <a:pPr lvl="2"/>
             <a:r>
-              <a:rPr lang="en-US" smtClean="0"/>
+              <a:rPr lang="en-US"/>
               <a:t>Third level</a:t>
             </a:r>
           </a:p>
           <a:p>
             <a:pPr lvl="3"/>
             <a:r>
-              <a:rPr lang="en-US" smtClean="0"/>
+              <a:rPr lang="en-US"/>
               <a:t>Fourth level</a:t>
             </a:r>
           </a:p>
           <a:p>
             <a:pPr lvl="4"/>
             <a:r>
-              <a:rPr lang="en-US" smtClean="0"/>
+              <a:rPr lang="en-US"/>
               <a:t>Fifth level</a:t>
             </a:r>
-            <a:endParaRPr lang="en-US"/>
           </a:p>
         </p:txBody>
       </p:sp>
@@ -1458,10 +1455,9 @@
           <a:lstStyle/>
           <a:p>
             <a:r>
-              <a:rPr lang="en-US" smtClean="0"/>
+              <a:rPr lang="en-US"/>
               <a:t>Click to edit Master title style</a:t>
             </a:r>
-            <a:endParaRPr lang="en-US"/>
           </a:p>
         </p:txBody>
       </p:sp>
@@ -1482,38 +1478,37 @@
           <a:p>
             <a:pPr lvl="0"/>
             <a:r>
-              <a:rPr lang="en-US" smtClean="0"/>
+              <a:rPr lang="en-US"/>
               <a:t>Click to edit Master text styles</a:t>
             </a:r>
           </a:p>
           <a:p>
             <a:pPr lvl="1"/>
             <a:r>
-              <a:rPr lang="en-US" smtClean="0"/>
+              <a:rPr lang="en-US"/>
               <a:t>Second level</a:t>
             </a:r>
           </a:p>
           <a:p>
             <a:pPr lvl="2"/>
             <a:r>
-              <a:rPr lang="en-US" smtClean="0"/>
+              <a:rPr lang="en-US"/>
               <a:t>Third level</a:t>
             </a:r>
           </a:p>
           <a:p>
             <a:pPr lvl="3"/>
             <a:r>
-              <a:rPr lang="en-US" smtClean="0"/>
+              <a:rPr lang="en-US"/>
               <a:t>Fourth level</a:t>
             </a:r>
           </a:p>
           <a:p>
             <a:pPr lvl="4"/>
             <a:r>
-              <a:rPr lang="en-US" smtClean="0"/>
+              <a:rPr lang="en-US"/>
               <a:t>Fifth level</a:t>
             </a:r>
-            <a:endParaRPr lang="en-US"/>
           </a:p>
         </p:txBody>
       </p:sp>
@@ -1572,10 +1567,9 @@
           </a:lstStyle>
           <a:p>
             <a:r>
-              <a:rPr lang="en-US" smtClean="0"/>
+              <a:rPr lang="en-US"/>
               <a:t>Click to edit Master title style</a:t>
             </a:r>
-            <a:endParaRPr lang="en-US"/>
           </a:p>
         </p:txBody>
       </p:sp>
@@ -1638,7 +1632,7 @@
           <a:p>
             <a:pPr lvl="0"/>
             <a:r>
-              <a:rPr lang="en-US" smtClean="0"/>
+              <a:rPr lang="en-US"/>
               <a:t>Click to edit Master text styles</a:t>
             </a:r>
           </a:p>
@@ -1690,10 +1684,9 @@
           <a:lstStyle/>
           <a:p>
             <a:r>
-              <a:rPr lang="en-US" smtClean="0"/>
+              <a:rPr lang="en-US"/>
               <a:t>Click to edit Master title style</a:t>
             </a:r>
-            <a:endParaRPr lang="en-US"/>
           </a:p>
         </p:txBody>
       </p:sp>
@@ -1747,38 +1740,37 @@
           <a:p>
             <a:pPr lvl="0"/>
             <a:r>
-              <a:rPr lang="en-US" smtClean="0"/>
+              <a:rPr lang="en-US"/>
               <a:t>Click to edit Master text styles</a:t>
             </a:r>
           </a:p>
           <a:p>
             <a:pPr lvl="1"/>
             <a:r>
-              <a:rPr lang="en-US" smtClean="0"/>
+              <a:rPr lang="en-US"/>
               <a:t>Second level</a:t>
             </a:r>
           </a:p>
           <a:p>
             <a:pPr lvl="2"/>
             <a:r>
-              <a:rPr lang="en-US" smtClean="0"/>
+              <a:rPr lang="en-US"/>
               <a:t>Third level</a:t>
             </a:r>
           </a:p>
           <a:p>
             <a:pPr lvl="3"/>
             <a:r>
-              <a:rPr lang="en-US" smtClean="0"/>
+              <a:rPr lang="en-US"/>
               <a:t>Fourth level</a:t>
             </a:r>
           </a:p>
           <a:p>
             <a:pPr lvl="4"/>
             <a:r>
-              <a:rPr lang="en-US" smtClean="0"/>
+              <a:rPr lang="en-US"/>
               <a:t>Fifth level</a:t>
             </a:r>
-            <a:endParaRPr lang="en-US"/>
           </a:p>
         </p:txBody>
       </p:sp>
@@ -1832,38 +1824,37 @@
           <a:p>
             <a:pPr lvl="0"/>
             <a:r>
-              <a:rPr lang="en-US" smtClean="0"/>
+              <a:rPr lang="en-US"/>
               <a:t>Click to edit Master text styles</a:t>
             </a:r>
           </a:p>
           <a:p>
             <a:pPr lvl="1"/>
             <a:r>
-              <a:rPr lang="en-US" smtClean="0"/>
+              <a:rPr lang="en-US"/>
               <a:t>Second level</a:t>
             </a:r>
           </a:p>
           <a:p>
             <a:pPr lvl="2"/>
             <a:r>
-              <a:rPr lang="en-US" smtClean="0"/>
+              <a:rPr lang="en-US"/>
               <a:t>Third level</a:t>
             </a:r>
           </a:p>
           <a:p>
             <a:pPr lvl="3"/>
             <a:r>
-              <a:rPr lang="en-US" smtClean="0"/>
+              <a:rPr lang="en-US"/>
               <a:t>Fourth level</a:t>
             </a:r>
           </a:p>
           <a:p>
             <a:pPr lvl="4"/>
             <a:r>
-              <a:rPr lang="en-US" smtClean="0"/>
+              <a:rPr lang="en-US"/>
               <a:t>Fifth level</a:t>
             </a:r>
-            <a:endParaRPr lang="en-US"/>
           </a:p>
         </p:txBody>
       </p:sp>
@@ -1922,10 +1913,9 @@
           </a:lstStyle>
           <a:p>
             <a:r>
-              <a:rPr lang="en-US" smtClean="0"/>
+              <a:rPr lang="en-US"/>
               <a:t>Click to edit Master title style</a:t>
             </a:r>
-            <a:endParaRPr lang="en-US"/>
           </a:p>
         </p:txBody>
       </p:sp>
@@ -1988,7 +1978,7 @@
           <a:p>
             <a:pPr lvl="0"/>
             <a:r>
-              <a:rPr lang="en-US" smtClean="0"/>
+              <a:rPr lang="en-US"/>
               <a:t>Click to edit Master text styles</a:t>
             </a:r>
           </a:p>
@@ -2044,38 +2034,37 @@
           <a:p>
             <a:pPr lvl="0"/>
             <a:r>
-              <a:rPr lang="en-US" smtClean="0"/>
+              <a:rPr lang="en-US"/>
               <a:t>Click to edit Master text styles</a:t>
             </a:r>
           </a:p>
           <a:p>
             <a:pPr lvl="1"/>
             <a:r>
-              <a:rPr lang="en-US" smtClean="0"/>
+              <a:rPr lang="en-US"/>
               <a:t>Second level</a:t>
             </a:r>
           </a:p>
           <a:p>
             <a:pPr lvl="2"/>
             <a:r>
-              <a:rPr lang="en-US" smtClean="0"/>
+              <a:rPr lang="en-US"/>
               <a:t>Third level</a:t>
             </a:r>
           </a:p>
           <a:p>
             <a:pPr lvl="3"/>
             <a:r>
-              <a:rPr lang="en-US" smtClean="0"/>
+              <a:rPr lang="en-US"/>
               <a:t>Fourth level</a:t>
             </a:r>
           </a:p>
           <a:p>
             <a:pPr lvl="4"/>
             <a:r>
-              <a:rPr lang="en-US" smtClean="0"/>
+              <a:rPr lang="en-US"/>
               <a:t>Fifth level</a:t>
             </a:r>
-            <a:endParaRPr lang="en-US"/>
           </a:p>
         </p:txBody>
       </p:sp>
@@ -2138,7 +2127,7 @@
           <a:p>
             <a:pPr lvl="0"/>
             <a:r>
-              <a:rPr lang="en-US" smtClean="0"/>
+              <a:rPr lang="en-US"/>
               <a:t>Click to edit Master text styles</a:t>
             </a:r>
           </a:p>
@@ -2194,38 +2183,37 @@
           <a:p>
             <a:pPr lvl="0"/>
             <a:r>
-              <a:rPr lang="en-US" smtClean="0"/>
+              <a:rPr lang="en-US"/>
               <a:t>Click to edit Master text styles</a:t>
             </a:r>
           </a:p>
           <a:p>
             <a:pPr lvl="1"/>
             <a:r>
-              <a:rPr lang="en-US" smtClean="0"/>
+              <a:rPr lang="en-US"/>
               <a:t>Second level</a:t>
             </a:r>
           </a:p>
           <a:p>
             <a:pPr lvl="2"/>
             <a:r>
-              <a:rPr lang="en-US" smtClean="0"/>
+              <a:rPr lang="en-US"/>
               <a:t>Third level</a:t>
             </a:r>
           </a:p>
           <a:p>
             <a:pPr lvl="3"/>
             <a:r>
-              <a:rPr lang="en-US" smtClean="0"/>
+              <a:rPr lang="en-US"/>
               <a:t>Fourth level</a:t>
             </a:r>
           </a:p>
           <a:p>
             <a:pPr lvl="4"/>
             <a:r>
-              <a:rPr lang="en-US" smtClean="0"/>
+              <a:rPr lang="en-US"/>
               <a:t>Fifth level</a:t>
             </a:r>
-            <a:endParaRPr lang="en-US"/>
           </a:p>
         </p:txBody>
       </p:sp>
@@ -2275,10 +2263,9 @@
           <a:lstStyle/>
           <a:p>
             <a:r>
-              <a:rPr lang="en-US" smtClean="0"/>
+              <a:rPr lang="en-US"/>
               <a:t>Click to edit Master title style</a:t>
             </a:r>
-            <a:endParaRPr lang="en-US"/>
           </a:p>
         </p:txBody>
       </p:sp>
@@ -2367,10 +2354,9 @@
           </a:lstStyle>
           <a:p>
             <a:r>
-              <a:rPr lang="en-US" smtClean="0"/>
+              <a:rPr lang="en-US"/>
               <a:t>Click to edit Master title style</a:t>
             </a:r>
-            <a:endParaRPr lang="en-US"/>
           </a:p>
         </p:txBody>
       </p:sp>
@@ -2424,38 +2410,37 @@
           <a:p>
             <a:pPr lvl="0"/>
             <a:r>
-              <a:rPr lang="en-US" smtClean="0"/>
+              <a:rPr lang="en-US"/>
               <a:t>Click to edit Master text styles</a:t>
             </a:r>
           </a:p>
           <a:p>
             <a:pPr lvl="1"/>
             <a:r>
-              <a:rPr lang="en-US" smtClean="0"/>
+              <a:rPr lang="en-US"/>
               <a:t>Second level</a:t>
             </a:r>
           </a:p>
           <a:p>
             <a:pPr lvl="2"/>
             <a:r>
-              <a:rPr lang="en-US" smtClean="0"/>
+              <a:rPr lang="en-US"/>
               <a:t>Third level</a:t>
             </a:r>
           </a:p>
           <a:p>
             <a:pPr lvl="3"/>
             <a:r>
-              <a:rPr lang="en-US" smtClean="0"/>
+              <a:rPr lang="en-US"/>
               <a:t>Fourth level</a:t>
             </a:r>
           </a:p>
           <a:p>
             <a:pPr lvl="4"/>
             <a:r>
-              <a:rPr lang="en-US" smtClean="0"/>
+              <a:rPr lang="en-US"/>
               <a:t>Fifth level</a:t>
             </a:r>
-            <a:endParaRPr lang="en-US"/>
           </a:p>
         </p:txBody>
       </p:sp>
@@ -2518,7 +2503,7 @@
           <a:p>
             <a:pPr lvl="0"/>
             <a:r>
-              <a:rPr lang="en-US" smtClean="0"/>
+              <a:rPr lang="en-US"/>
               <a:t>Click to edit Master text styles</a:t>
             </a:r>
           </a:p>
@@ -2579,10 +2564,9 @@
           </a:lstStyle>
           <a:p>
             <a:r>
-              <a:rPr lang="en-US" smtClean="0"/>
+              <a:rPr lang="en-US"/>
               <a:t>Click to edit Master title style</a:t>
             </a:r>
-            <a:endParaRPr lang="en-US"/>
           </a:p>
         </p:txBody>
       </p:sp>
@@ -2644,7 +2628,7 @@
           </a:lstStyle>
           <a:p>
             <a:pPr lvl="0"/>
-            <a:endParaRPr lang="en-US" noProof="0" smtClean="0"/>
+            <a:endParaRPr lang="en-US" noProof="0"/>
           </a:p>
         </p:txBody>
       </p:sp>
@@ -2707,7 +2691,7 @@
           <a:p>
             <a:pPr lvl="0"/>
             <a:r>
-              <a:rPr lang="en-US" smtClean="0"/>
+              <a:rPr lang="en-US"/>
               <a:t>Click to edit Master text styles</a:t>
             </a:r>
           </a:p>
@@ -2779,10 +2763,10 @@
           </a:ln>
           <a:extLst>
             <a:ext uri="{FAA26D3D-D897-4be2-8F04-BA451C77F1D7}">
-              <ma14:placeholderFlag xmlns:ma14="http://schemas.microsoft.com/office/mac/drawingml/2011/main" val="1"/>
+              <ma14:placeholderFlag xmlns:ma14="http://schemas.microsoft.com/office/mac/drawingml/2011/main" xmlns="" val="1"/>
             </a:ext>
             <a:ext uri="{91240B29-F687-4f45-9708-019B960494DF}">
-              <a14:hiddenLine xmlns:a14="http://schemas.microsoft.com/office/drawing/2010/main" xmlns="" w="9525">
+              <a14:hiddenLine xmlns="" xmlns:a14="http://schemas.microsoft.com/office/drawing/2010/main" w="9525">
                 <a:solidFill>
                   <a:srgbClr val="000000"/>
                 </a:solidFill>
@@ -2833,17 +2817,17 @@
           </a:ln>
           <a:extLst>
             <a:ext uri="{FAA26D3D-D897-4be2-8F04-BA451C77F1D7}">
-              <ma14:placeholderFlag xmlns:ma14="http://schemas.microsoft.com/office/mac/drawingml/2011/main" val="1"/>
+              <ma14:placeholderFlag xmlns:ma14="http://schemas.microsoft.com/office/mac/drawingml/2011/main" xmlns="" val="1"/>
             </a:ext>
             <a:ext uri="{909E8E84-426E-40dd-AFC4-6F175D3DCCD1}">
-              <a14:hiddenFill xmlns:a14="http://schemas.microsoft.com/office/drawing/2010/main" xmlns="">
+              <a14:hiddenFill xmlns="" xmlns:a14="http://schemas.microsoft.com/office/drawing/2010/main">
                 <a:solidFill>
                   <a:srgbClr val="FFFFFF"/>
                 </a:solidFill>
               </a14:hiddenFill>
             </a:ext>
             <a:ext uri="{91240B29-F687-4f45-9708-019B960494DF}">
-              <a14:hiddenLine xmlns:a14="http://schemas.microsoft.com/office/drawing/2010/main" xmlns="" w="9525">
+              <a14:hiddenLine xmlns="" xmlns:a14="http://schemas.microsoft.com/office/drawing/2010/main" w="9525">
                 <a:solidFill>
                   <a:srgbClr val="000000"/>
                 </a:solidFill>
@@ -3404,7 +3388,7 @@
           <a:noFill/>
           <a:extLst>
             <a:ext uri="{909E8E84-426E-40dd-AFC4-6F175D3DCCD1}">
-              <a14:hiddenFill xmlns:a14="http://schemas.microsoft.com/office/drawing/2010/main" xmlns="">
+              <a14:hiddenFill xmlns="" xmlns:a14="http://schemas.microsoft.com/office/drawing/2010/main">
                 <a:solidFill>
                   <a:srgbClr val="E1F4FF"/>
                 </a:solidFill>
@@ -3424,14 +3408,6 @@
                 <a:spcPct val="60000"/>
               </a:spcBef>
             </a:pPr>
-            <a:r>
-              <a:rPr lang="en-US" sz="7400">
-                <a:latin typeface="Arial" charset="0"/>
-                <a:ea typeface="ＭＳ Ｐゴシック" charset="0"/>
-                <a:cs typeface="ＭＳ Ｐゴシック" charset="0"/>
-              </a:rPr>
-              <a:t/>
-            </a:r>
             <a:br>
               <a:rPr lang="en-US" sz="7400">
                 <a:latin typeface="Arial" charset="0"/>
@@ -3454,14 +3430,6 @@
                 <a:cs typeface="ＭＳ Ｐゴシック" charset="0"/>
               </a:rPr>
               <a:t>OWL Axioms in N3 logic </a:t>
-            </a:r>
-            <a:r>
-              <a:rPr lang="en-US" sz="4400">
-                <a:latin typeface="Arial" charset="0"/>
-                <a:ea typeface="ＭＳ Ｐゴシック" charset="0"/>
-                <a:cs typeface="ＭＳ Ｐゴシック" charset="0"/>
-              </a:rPr>
-              <a:t/>
             </a:r>
             <a:br>
               <a:rPr lang="en-US" sz="4400">
@@ -3483,17 +3451,120 @@
   <p:clrMapOvr>
     <a:masterClrMapping/>
   </p:clrMapOvr>
-  <p:timing>
-    <p:tnLst>
-      <p:par>
-        <p:cTn id="1" dur="indefinite" restart="never" nodeType="tmRoot"/>
-      </p:par>
-    </p:tnLst>
-  </p:timing>
 </p:sld>
 </file>
 
 <file path=ppt/slides/slide2.xml><?xml version="1.0" encoding="utf-8"?>
+<p:sld xmlns:a="http://schemas.openxmlformats.org/drawingml/2006/main" xmlns:r="http://schemas.openxmlformats.org/officeDocument/2006/relationships" xmlns:p="http://schemas.openxmlformats.org/presentationml/2006/main">
+  <p:cSld>
+    <p:spTree>
+      <p:nvGrpSpPr>
+        <p:cNvPr id="1" name=""/>
+        <p:cNvGrpSpPr/>
+        <p:nvPr/>
+      </p:nvGrpSpPr>
+      <p:grpSpPr>
+        <a:xfrm>
+          <a:off x="0" y="0"/>
+          <a:ext cx="0" cy="0"/>
+          <a:chOff x="0" y="0"/>
+          <a:chExt cx="0" cy="0"/>
+        </a:xfrm>
+      </p:grpSpPr>
+      <p:sp>
+        <p:nvSpPr>
+          <p:cNvPr id="2" name="Title 1">
+            <a:extLst>
+              <a:ext uri="{FF2B5EF4-FFF2-40B4-BE49-F238E27FC236}">
+                <a16:creationId xmlns:a16="http://schemas.microsoft.com/office/drawing/2014/main" id="{983C9891-F987-C94F-99FF-C7A4172E1C6F}"/>
+              </a:ext>
+            </a:extLst>
+          </p:cNvPr>
+          <p:cNvSpPr>
+            <a:spLocks noGrp="1"/>
+          </p:cNvSpPr>
+          <p:nvPr>
+            <p:ph type="title"/>
+          </p:nvPr>
+        </p:nvSpPr>
+        <p:spPr/>
+        <p:txBody>
+          <a:bodyPr/>
+          <a:lstStyle/>
+          <a:p>
+            <a:endParaRPr lang="en-US"/>
+          </a:p>
+        </p:txBody>
+      </p:sp>
+      <p:sp>
+        <p:nvSpPr>
+          <p:cNvPr id="3" name="Content Placeholder 2">
+            <a:extLst>
+              <a:ext uri="{FF2B5EF4-FFF2-40B4-BE49-F238E27FC236}">
+                <a16:creationId xmlns:a16="http://schemas.microsoft.com/office/drawing/2014/main" id="{A1A2DE11-4DF5-9844-9CF2-6C6E05B4CF49}"/>
+              </a:ext>
+            </a:extLst>
+          </p:cNvPr>
+          <p:cNvSpPr>
+            <a:spLocks noGrp="1"/>
+          </p:cNvSpPr>
+          <p:nvPr>
+            <p:ph idx="1"/>
+          </p:nvPr>
+        </p:nvSpPr>
+        <p:spPr/>
+        <p:txBody>
+          <a:bodyPr/>
+          <a:lstStyle/>
+          <a:p>
+            <a:r>
+              <a:rPr lang="en-US" sz="3200" dirty="0"/>
+              <a:t>Many, but not all, OWL constructors can be implemented using a rule-based approach</a:t>
+            </a:r>
+          </a:p>
+          <a:p>
+            <a:pPr lvl="1"/>
+            <a:r>
+              <a:rPr lang="en-US" sz="2800" dirty="0"/>
+              <a:t>These tend to be relatively fast to reason with</a:t>
+            </a:r>
+          </a:p>
+          <a:p>
+            <a:r>
+              <a:rPr lang="en-US" sz="3200" dirty="0"/>
+              <a:t>The OWL2 profile OWL-RL is that part of owl that can be defined with rules</a:t>
+            </a:r>
+          </a:p>
+          <a:p>
+            <a:r>
+              <a:rPr lang="en-US" sz="3200" dirty="0"/>
+              <a:t>We can represent these in N3 rules as well as </a:t>
+            </a:r>
+            <a:r>
+              <a:rPr lang="en-US" sz="3200"/>
+              <a:t>SWRL rules</a:t>
+            </a:r>
+            <a:endParaRPr lang="en-US" sz="3200" dirty="0"/>
+          </a:p>
+          <a:p>
+            <a:endParaRPr lang="en-US" sz="3200" dirty="0"/>
+          </a:p>
+        </p:txBody>
+      </p:sp>
+    </p:spTree>
+    <p:extLst>
+      <p:ext uri="{BB962C8B-B14F-4D97-AF65-F5344CB8AC3E}">
+        <p14:creationId xmlns:p14="http://schemas.microsoft.com/office/powerpoint/2010/main" val="216363949"/>
+      </p:ext>
+    </p:extLst>
+  </p:cSld>
+  <p:clrMapOvr>
+    <a:masterClrMapping/>
+  </p:clrMapOvr>
+</p:sld>
+</file>
+
+<file path=ppt/slides/slide3.xml><?xml version="1.0" encoding="utf-8"?>
 <p:sld xmlns:a="http://schemas.openxmlformats.org/drawingml/2006/main" xmlns:r="http://schemas.openxmlformats.org/officeDocument/2006/relationships" xmlns:p="http://schemas.openxmlformats.org/presentationml/2006/main">
   <p:cSld>
     <p:spTree>
@@ -3548,7 +3619,7 @@
         </p:nvSpPr>
         <p:spPr>
           <a:xfrm>
-            <a:off x="381000" y="1295400"/>
+            <a:off x="395287" y="1151682"/>
             <a:ext cx="8353425" cy="5445968"/>
           </a:xfrm>
         </p:spPr>
@@ -3557,19 +3628,34 @@
           <a:lstStyle/>
           <a:p>
             <a:pPr>
-              <a:buFont typeface="Wingdings" charset="0"/>
               <a:buNone/>
             </a:pPr>
             <a:r>
-              <a:rPr lang="en-US" dirty="0">
-                <a:latin typeface="Arial" charset="0"/>
-                <a:ea typeface="ＭＳ Ｐゴシック" charset="0"/>
-                <a:cs typeface="ＭＳ Ｐゴシック" charset="0"/>
-              </a:rPr>
-              <a:t>{?P </a:t>
-            </a:r>
-            <a:r>
-              <a:rPr lang="en-US" dirty="0" err="1">
+              <a:rPr lang="en-US" sz="2400" dirty="0">
+                <a:latin typeface="Arial" charset="0"/>
+                <a:ea typeface="ＭＳ Ｐゴシック" charset="0"/>
+                <a:cs typeface="ＭＳ Ｐゴシック" charset="0"/>
+              </a:rPr>
+              <a:t># :</a:t>
+            </a:r>
+            <a:r>
+              <a:rPr lang="en-US" sz="2400" dirty="0" err="1">
+                <a:latin typeface="Arial" charset="0"/>
+                <a:ea typeface="ＭＳ Ｐゴシック" charset="0"/>
+                <a:cs typeface="ＭＳ Ｐゴシック" charset="0"/>
+              </a:rPr>
+              <a:t>motherOf</a:t>
+            </a:r>
+            <a:r>
+              <a:rPr lang="en-US" sz="2400" dirty="0">
+                <a:latin typeface="Arial" charset="0"/>
+                <a:ea typeface="ＭＳ Ｐゴシック" charset="0"/>
+                <a:cs typeface="ＭＳ Ｐゴシック" charset="0"/>
+              </a:rPr>
+              <a:t> </a:t>
+            </a:r>
+            <a:r>
+              <a:rPr lang="en-US" sz="2400" dirty="0" err="1">
                 <a:latin typeface="Arial" charset="0"/>
                 <a:ea typeface="ＭＳ Ｐゴシック" charset="0"/>
                 <a:cs typeface="ＭＳ Ｐゴシック" charset="0"/>
@@ -3577,50 +3663,22 @@
               <a:t>owl:inverseOf</a:t>
             </a:r>
             <a:r>
-              <a:rPr lang="en-US" dirty="0">
-                <a:latin typeface="Arial" charset="0"/>
-                <a:ea typeface="ＭＳ Ｐゴシック" charset="0"/>
-                <a:cs typeface="ＭＳ Ｐゴシック" charset="0"/>
-              </a:rPr>
-              <a:t> ?Q. </a:t>
-            </a:r>
-          </a:p>
-          <a:p>
-            <a:pPr>
-              <a:buFont typeface="Wingdings" charset="0"/>
-              <a:buNone/>
-            </a:pPr>
-            <a:r>
-              <a:rPr lang="en-US" dirty="0">
-                <a:latin typeface="Arial" charset="0"/>
-                <a:ea typeface="ＭＳ Ｐゴシック" charset="0"/>
-                <a:cs typeface="ＭＳ Ｐゴシック" charset="0"/>
-              </a:rPr>
-              <a:t>  ?S ?P ?O} </a:t>
-            </a:r>
-            <a:r>
-              <a:rPr lang="en-US" dirty="0" smtClean="0">
-                <a:latin typeface="Arial" charset="0"/>
-                <a:ea typeface="ＭＳ Ｐゴシック" charset="0"/>
-                <a:cs typeface="ＭＳ Ｐゴシック" charset="0"/>
-              </a:rPr>
-              <a:t>=&gt; {?</a:t>
-            </a:r>
-            <a:r>
-              <a:rPr lang="en-US" dirty="0">
-                <a:latin typeface="Arial" charset="0"/>
-                <a:ea typeface="ＭＳ Ｐゴシック" charset="0"/>
-                <a:cs typeface="ＭＳ Ｐゴシック" charset="0"/>
-              </a:rPr>
-              <a:t>O ?Q ?S}.</a:t>
-            </a:r>
-          </a:p>
-          <a:p>
-            <a:pPr>
-              <a:buFont typeface="Wingdings" charset="0"/>
-              <a:buNone/>
-            </a:pPr>
-            <a:endParaRPr lang="en-US" sz="1800" dirty="0">
+              <a:rPr lang="en-US" sz="2400" dirty="0">
+                <a:latin typeface="Arial" charset="0"/>
+                <a:ea typeface="ＭＳ Ｐゴシック" charset="0"/>
+                <a:cs typeface="ＭＳ Ｐゴシック" charset="0"/>
+              </a:rPr>
+              <a:t> :</a:t>
+            </a:r>
+            <a:r>
+              <a:rPr lang="en-US" sz="2400" dirty="0" err="1">
+                <a:latin typeface="Arial" charset="0"/>
+                <a:ea typeface="ＭＳ Ｐゴシック" charset="0"/>
+                <a:cs typeface="ＭＳ Ｐゴシック" charset="0"/>
+              </a:rPr>
+              <a:t>hasMother</a:t>
+            </a:r>
+            <a:endParaRPr lang="en-US" sz="2400" dirty="0">
               <a:latin typeface="Arial" charset="0"/>
               <a:ea typeface="ＭＳ Ｐゴシック" charset="0"/>
               <a:cs typeface="ＭＳ Ｐゴシック" charset="0"/>
@@ -3645,7 +3703,7 @@
                 <a:ea typeface="ＭＳ Ｐゴシック" charset="0"/>
                 <a:cs typeface="ＭＳ Ｐゴシック" charset="0"/>
               </a:rPr>
-              <a:t>rdf:type</a:t>
+              <a:t>owl:inverseOf</a:t>
             </a:r>
             <a:r>
               <a:rPr lang="en-US" dirty="0">
@@ -3653,23 +3711,7 @@
                 <a:ea typeface="ＭＳ Ｐゴシック" charset="0"/>
                 <a:cs typeface="ＭＳ Ｐゴシック" charset="0"/>
               </a:rPr>
-              <a:t> </a:t>
-            </a:r>
-            <a:r>
-              <a:rPr lang="en-US" dirty="0" err="1">
-                <a:latin typeface="Arial" charset="0"/>
-                <a:ea typeface="ＭＳ Ｐゴシック" charset="0"/>
-                <a:cs typeface="ＭＳ Ｐゴシック" charset="0"/>
-              </a:rPr>
-              <a:t>owl:SymmetricProperty</a:t>
-            </a:r>
-            <a:r>
-              <a:rPr lang="en-US" dirty="0">
-                <a:latin typeface="Arial" charset="0"/>
-                <a:ea typeface="ＭＳ Ｐゴシック" charset="0"/>
-                <a:cs typeface="ＭＳ Ｐゴシック" charset="0"/>
-              </a:rPr>
-              <a:t>. </a:t>
+              <a:t> ?Q. </a:t>
             </a:r>
           </a:p>
           <a:p>
@@ -3683,31 +3725,14 @@
                 <a:ea typeface="ＭＳ Ｐゴシック" charset="0"/>
                 <a:cs typeface="ＭＳ Ｐゴシック" charset="0"/>
               </a:rPr>
-              <a:t> ?S ?P ?O} </a:t>
-            </a:r>
-            <a:r>
-              <a:rPr lang="en-US" dirty="0" smtClean="0">
-                <a:latin typeface="Arial" charset="0"/>
-                <a:ea typeface="ＭＳ Ｐゴシック" charset="0"/>
-                <a:cs typeface="ＭＳ Ｐゴシック" charset="0"/>
-              </a:rPr>
-              <a:t> =&gt; {?</a:t>
-            </a:r>
-            <a:r>
-              <a:rPr lang="en-US" dirty="0">
-                <a:latin typeface="Arial" charset="0"/>
-                <a:ea typeface="ＭＳ Ｐゴシック" charset="0"/>
-                <a:cs typeface="ＭＳ Ｐゴシック" charset="0"/>
-              </a:rPr>
-              <a:t>O ?P ?S}.</a:t>
+              <a:t>  ?S ?P ?O} =&gt; {?O ?Q ?S}.</a:t>
             </a:r>
           </a:p>
           <a:p>
             <a:pPr>
-              <a:buFont typeface="Wingdings" charset="0"/>
               <a:buNone/>
             </a:pPr>
-            <a:endParaRPr lang="en-US" sz="1800" dirty="0">
+            <a:endParaRPr lang="en-US" sz="1100" dirty="0">
               <a:latin typeface="Arial" charset="0"/>
               <a:ea typeface="ＭＳ Ｐゴシック" charset="0"/>
               <a:cs typeface="ＭＳ Ｐゴシック" charset="0"/>
@@ -3715,49 +3740,29 @@
           </a:p>
           <a:p>
             <a:pPr>
-              <a:buFont typeface="Wingdings" charset="0"/>
               <a:buNone/>
             </a:pPr>
             <a:r>
-              <a:rPr lang="en-US" dirty="0">
-                <a:latin typeface="Arial" charset="0"/>
-                <a:ea typeface="ＭＳ Ｐゴシック" charset="0"/>
-                <a:cs typeface="ＭＳ Ｐゴシック" charset="0"/>
-              </a:rPr>
-              <a:t>{?P </a:t>
-            </a:r>
-            <a:r>
-              <a:rPr lang="en-US" dirty="0" err="1">
-                <a:latin typeface="Arial" charset="0"/>
-                <a:ea typeface="ＭＳ Ｐゴシック" charset="0"/>
-                <a:cs typeface="ＭＳ Ｐゴシック" charset="0"/>
-              </a:rPr>
-              <a:t>rdf:type</a:t>
-            </a:r>
-            <a:r>
-              <a:rPr lang="en-US" dirty="0">
-                <a:latin typeface="Arial" charset="0"/>
-                <a:ea typeface="ＭＳ Ｐゴシック" charset="0"/>
-                <a:cs typeface="ＭＳ Ｐゴシック" charset="0"/>
-              </a:rPr>
-              <a:t> </a:t>
-            </a:r>
-            <a:r>
-              <a:rPr lang="en-US" dirty="0" err="1">
-                <a:latin typeface="Arial" charset="0"/>
-                <a:ea typeface="ＭＳ Ｐゴシック" charset="0"/>
-                <a:cs typeface="ＭＳ Ｐゴシック" charset="0"/>
-              </a:rPr>
-              <a:t>owl:TransitiveProperty</a:t>
-            </a:r>
-            <a:r>
-              <a:rPr lang="en-US" dirty="0">
-                <a:latin typeface="Arial" charset="0"/>
-                <a:ea typeface="ＭＳ Ｐゴシック" charset="0"/>
-                <a:cs typeface="ＭＳ Ｐゴシック" charset="0"/>
-              </a:rPr>
-              <a:t>. </a:t>
-            </a:r>
+              <a:rPr lang="en-US" sz="2400" dirty="0">
+                <a:latin typeface="Arial" charset="0"/>
+                <a:ea typeface="ＭＳ Ｐゴシック" charset="0"/>
+                <a:cs typeface="ＭＳ Ｐゴシック" charset="0"/>
+              </a:rPr>
+              <a:t># :spouse a </a:t>
+            </a:r>
+            <a:r>
+              <a:rPr lang="en-US" sz="2400" dirty="0" err="1">
+                <a:latin typeface="Arial" charset="0"/>
+                <a:ea typeface="ＭＳ Ｐゴシック" charset="0"/>
+                <a:cs typeface="ＭＳ Ｐゴシック" charset="0"/>
+              </a:rPr>
+              <a:t>own:SymmtricProperty</a:t>
+            </a:r>
+            <a:endParaRPr lang="en-US" sz="2400" dirty="0">
+              <a:latin typeface="Arial" charset="0"/>
+              <a:ea typeface="ＭＳ Ｐゴシック" charset="0"/>
+              <a:cs typeface="ＭＳ Ｐゴシック" charset="0"/>
+            </a:endParaRPr>
           </a:p>
           <a:p>
             <a:pPr>
@@ -3770,7 +3775,23 @@
                 <a:ea typeface="ＭＳ Ｐゴシック" charset="0"/>
                 <a:cs typeface="ＭＳ Ｐゴシック" charset="0"/>
               </a:rPr>
-              <a:t> ?X ?P ?O. </a:t>
+              <a:t>{?P a </a:t>
+            </a:r>
+            <a:r>
+              <a:rPr lang="en-US" dirty="0" err="1">
+                <a:latin typeface="Arial" charset="0"/>
+                <a:ea typeface="ＭＳ Ｐゴシック" charset="0"/>
+                <a:cs typeface="ＭＳ Ｐゴシック" charset="0"/>
+              </a:rPr>
+              <a:t>owl:SymmetricProperty</a:t>
+            </a:r>
+            <a:r>
+              <a:rPr lang="en-US" dirty="0">
+                <a:latin typeface="Arial" charset="0"/>
+                <a:ea typeface="ＭＳ Ｐゴシック" charset="0"/>
+                <a:cs typeface="ＭＳ Ｐゴシック" charset="0"/>
+              </a:rPr>
+              <a:t>. </a:t>
             </a:r>
           </a:p>
           <a:p>
@@ -3784,7 +3805,7 @@
                 <a:ea typeface="ＭＳ Ｐゴシック" charset="0"/>
                 <a:cs typeface="ＭＳ Ｐゴシック" charset="0"/>
               </a:rPr>
-              <a:t> ?S ?P ?X} </a:t>
+              <a:t> ?S ?P ?O}  =&gt; {?O ?P ?S}.</a:t>
             </a:r>
           </a:p>
           <a:p>
@@ -3792,21 +3813,59 @@
               <a:buFont typeface="Wingdings" charset="0"/>
               <a:buNone/>
             </a:pPr>
+            <a:endParaRPr lang="en-US" sz="1200" dirty="0">
+              <a:latin typeface="Arial" charset="0"/>
+              <a:ea typeface="ＭＳ Ｐゴシック" charset="0"/>
+              <a:cs typeface="ＭＳ Ｐゴシック" charset="0"/>
+            </a:endParaRPr>
+          </a:p>
+          <a:p>
+            <a:pPr>
+              <a:buFont typeface="Wingdings" charset="0"/>
+              <a:buNone/>
+            </a:pPr>
+            <a:r>
+              <a:rPr lang="en-US" sz="2400" dirty="0">
+                <a:latin typeface="Arial" charset="0"/>
+                <a:ea typeface="ＭＳ Ｐゴシック" charset="0"/>
+                <a:cs typeface="ＭＳ Ｐゴシック" charset="0"/>
+              </a:rPr>
+              <a:t># :has Ancestor a </a:t>
+            </a:r>
+            <a:r>
+              <a:rPr lang="en-US" sz="2400" dirty="0" err="1">
+                <a:latin typeface="Arial" charset="0"/>
+                <a:ea typeface="ＭＳ Ｐゴシック" charset="0"/>
+                <a:cs typeface="ＭＳ Ｐゴシック" charset="0"/>
+              </a:rPr>
+              <a:t>owl:TransitiveProperty</a:t>
+            </a:r>
+            <a:endParaRPr lang="en-US" sz="2400" dirty="0">
+              <a:latin typeface="Arial" charset="0"/>
+              <a:ea typeface="ＭＳ Ｐゴシック" charset="0"/>
+              <a:cs typeface="ＭＳ Ｐゴシック" charset="0"/>
+            </a:endParaRPr>
+          </a:p>
+          <a:p>
+            <a:pPr>
+              <a:buFont typeface="Wingdings" charset="0"/>
+              <a:buNone/>
+            </a:pPr>
             <a:r>
               <a:rPr lang="en-US" dirty="0">
                 <a:latin typeface="Arial" charset="0"/>
                 <a:ea typeface="ＭＳ Ｐゴシック" charset="0"/>
                 <a:cs typeface="ＭＳ Ｐゴシック" charset="0"/>
               </a:rPr>
-              <a:t> =&gt; </a:t>
-            </a:r>
-            <a:r>
-              <a:rPr lang="en-US" dirty="0" smtClean="0">
-                <a:latin typeface="Arial" charset="0"/>
-                <a:ea typeface="ＭＳ Ｐゴシック" charset="0"/>
-                <a:cs typeface="ＭＳ Ｐゴシック" charset="0"/>
-              </a:rPr>
-              <a:t>{?</a:t>
+              <a:t>{?P </a:t>
+            </a:r>
+            <a:r>
+              <a:rPr lang="en-US" dirty="0" err="1">
+                <a:latin typeface="Arial" charset="0"/>
+                <a:ea typeface="ＭＳ Ｐゴシック" charset="0"/>
+                <a:cs typeface="ＭＳ Ｐゴシック" charset="0"/>
+              </a:rPr>
+              <a:t>rdf:type</a:t>
             </a:r>
             <a:r>
               <a:rPr lang="en-US" dirty="0">
@@ -3814,7 +3873,50 @@
                 <a:ea typeface="ＭＳ Ｐゴシック" charset="0"/>
                 <a:cs typeface="ＭＳ Ｐゴシック" charset="0"/>
               </a:rPr>
-              <a:t>S ?P ?O}.</a:t>
+              <a:t> </a:t>
+            </a:r>
+            <a:r>
+              <a:rPr lang="en-US" dirty="0" err="1">
+                <a:latin typeface="Arial" charset="0"/>
+                <a:ea typeface="ＭＳ Ｐゴシック" charset="0"/>
+                <a:cs typeface="ＭＳ Ｐゴシック" charset="0"/>
+              </a:rPr>
+              <a:t>owl:TransitiveProperty</a:t>
+            </a:r>
+            <a:r>
+              <a:rPr lang="en-US" dirty="0">
+                <a:latin typeface="Arial" charset="0"/>
+                <a:ea typeface="ＭＳ Ｐゴシック" charset="0"/>
+                <a:cs typeface="ＭＳ Ｐゴシック" charset="0"/>
+              </a:rPr>
+              <a:t>. </a:t>
+            </a:r>
+          </a:p>
+          <a:p>
+            <a:pPr>
+              <a:buNone/>
+            </a:pPr>
+            <a:r>
+              <a:rPr lang="en-US" dirty="0">
+                <a:latin typeface="Arial" charset="0"/>
+                <a:ea typeface="ＭＳ Ｐゴシック" charset="0"/>
+                <a:cs typeface="ＭＳ Ｐゴシック" charset="0"/>
+              </a:rPr>
+              <a:t> ?S ?P ?X.  ?X ?P ?O.} </a:t>
+            </a:r>
+          </a:p>
+          <a:p>
+            <a:pPr>
+              <a:buFont typeface="Wingdings" charset="0"/>
+              <a:buNone/>
+            </a:pPr>
+            <a:r>
+              <a:rPr lang="en-US" dirty="0">
+                <a:latin typeface="Arial" charset="0"/>
+                <a:ea typeface="ＭＳ Ｐゴシック" charset="0"/>
+                <a:cs typeface="ＭＳ Ｐゴシック" charset="0"/>
+              </a:rPr>
+              <a:t> =&gt; {?S ?P ?O}.</a:t>
             </a:r>
           </a:p>
           <a:p>
@@ -3882,7 +3984,7 @@
 </p:sld>
 </file>
 
-<file path=ppt/slides/slide3.xml><?xml version="1.0" encoding="utf-8"?>
+<file path=ppt/slides/slide4.xml><?xml version="1.0" encoding="utf-8"?>
 <p:sld xmlns:a="http://schemas.openxmlformats.org/drawingml/2006/main" xmlns:r="http://schemas.openxmlformats.org/officeDocument/2006/relationships" xmlns:p="http://schemas.openxmlformats.org/presentationml/2006/main">
   <p:cSld>
     <p:spTree>
@@ -3941,116 +4043,41 @@
           <a:lstStyle/>
           <a:p>
             <a:pPr>
-              <a:buFont typeface="Wingdings" charset="0"/>
               <a:buNone/>
             </a:pPr>
             <a:r>
-              <a:rPr lang="en-US" sz="3200" dirty="0">
-                <a:latin typeface="Arial" charset="0"/>
-                <a:ea typeface="ＭＳ Ｐゴシック" charset="0"/>
-                <a:cs typeface="ＭＳ Ｐゴシック" charset="0"/>
-              </a:rPr>
-              <a:t>{?P </a:t>
-            </a:r>
-            <a:r>
-              <a:rPr lang="en-US" sz="3200" dirty="0" err="1">
-                <a:latin typeface="Arial" charset="0"/>
-                <a:ea typeface="ＭＳ Ｐゴシック" charset="0"/>
-                <a:cs typeface="ＭＳ Ｐゴシック" charset="0"/>
-              </a:rPr>
-              <a:t>rdf:type</a:t>
-            </a:r>
-            <a:r>
-              <a:rPr lang="en-US" sz="3200" dirty="0">
-                <a:latin typeface="Arial" charset="0"/>
-                <a:ea typeface="ＭＳ Ｐゴシック" charset="0"/>
-                <a:cs typeface="ＭＳ Ｐゴシック" charset="0"/>
-              </a:rPr>
-              <a:t> </a:t>
-            </a:r>
-            <a:r>
-              <a:rPr lang="en-US" sz="3200" dirty="0" err="1">
+              <a:rPr lang="en-US" dirty="0">
+                <a:latin typeface="Arial" charset="0"/>
+                <a:ea typeface="ＭＳ Ｐゴシック" charset="0"/>
+                <a:cs typeface="ＭＳ Ｐゴシック" charset="0"/>
+              </a:rPr>
+              <a:t># :</a:t>
+            </a:r>
+            <a:r>
+              <a:rPr lang="en-US" dirty="0" err="1">
+                <a:latin typeface="Arial" charset="0"/>
+                <a:ea typeface="ＭＳ Ｐゴシック" charset="0"/>
+                <a:cs typeface="ＭＳ Ｐゴシック" charset="0"/>
+              </a:rPr>
+              <a:t>ssn</a:t>
+            </a:r>
+            <a:r>
+              <a:rPr lang="en-US" dirty="0">
+                <a:latin typeface="Arial" charset="0"/>
+                <a:ea typeface="ＭＳ Ｐゴシック" charset="0"/>
+                <a:cs typeface="ＭＳ Ｐゴシック" charset="0"/>
+              </a:rPr>
+              <a:t> a </a:t>
+            </a:r>
+            <a:r>
+              <a:rPr lang="en-US" dirty="0" err="1">
                 <a:latin typeface="Arial" charset="0"/>
                 <a:ea typeface="ＭＳ Ｐゴシック" charset="0"/>
                 <a:cs typeface="ＭＳ Ｐゴシック" charset="0"/>
               </a:rPr>
               <a:t>owl:InverseFunctionalProperty</a:t>
             </a:r>
-            <a:r>
-              <a:rPr lang="en-US" sz="3200" dirty="0">
-                <a:latin typeface="Arial" charset="0"/>
-                <a:ea typeface="ＭＳ Ｐゴシック" charset="0"/>
-                <a:cs typeface="ＭＳ Ｐゴシック" charset="0"/>
-              </a:rPr>
-              <a:t>. </a:t>
-            </a:r>
-          </a:p>
-          <a:p>
-            <a:pPr>
-              <a:buFont typeface="Wingdings" charset="0"/>
-              <a:buNone/>
-            </a:pPr>
-            <a:r>
-              <a:rPr lang="en-US" sz="3200" dirty="0">
-                <a:latin typeface="Arial" charset="0"/>
-                <a:ea typeface="ＭＳ Ｐゴシック" charset="0"/>
-                <a:cs typeface="ＭＳ Ｐゴシック" charset="0"/>
-              </a:rPr>
-              <a:t>  ?X ?P ?O. ?Y ?P ?O} </a:t>
-            </a:r>
-          </a:p>
-          <a:p>
-            <a:pPr>
-              <a:buFont typeface="Wingdings" charset="0"/>
-              <a:buNone/>
-            </a:pPr>
-            <a:r>
-              <a:rPr lang="en-US" sz="3200" dirty="0">
-                <a:latin typeface="Arial" charset="0"/>
-                <a:ea typeface="ＭＳ Ｐゴシック" charset="0"/>
-                <a:cs typeface="ＭＳ Ｐゴシック" charset="0"/>
-              </a:rPr>
-              <a:t>  =&gt; </a:t>
-            </a:r>
-            <a:r>
-              <a:rPr lang="en-US" sz="3200" dirty="0" smtClean="0">
-                <a:latin typeface="Arial" charset="0"/>
-                <a:ea typeface="ＭＳ Ｐゴシック" charset="0"/>
-                <a:cs typeface="ＭＳ Ｐゴシック" charset="0"/>
-              </a:rPr>
-              <a:t> </a:t>
-            </a:r>
-            <a:r>
-              <a:rPr lang="en-US" sz="3200" dirty="0">
-                <a:latin typeface="Arial" charset="0"/>
-                <a:ea typeface="ＭＳ Ｐゴシック" charset="0"/>
-                <a:cs typeface="ＭＳ Ｐゴシック" charset="0"/>
-              </a:rPr>
-              <a:t>{?X </a:t>
-            </a:r>
-            <a:r>
-              <a:rPr lang="en-US" sz="3200" dirty="0" err="1">
-                <a:latin typeface="Arial" charset="0"/>
-                <a:ea typeface="ＭＳ Ｐゴシック" charset="0"/>
-                <a:cs typeface="ＭＳ Ｐゴシック" charset="0"/>
-              </a:rPr>
-              <a:t>owl:sameAs</a:t>
-            </a:r>
-            <a:r>
-              <a:rPr lang="en-US" sz="3200" dirty="0">
-                <a:latin typeface="Arial" charset="0"/>
-                <a:ea typeface="ＭＳ Ｐゴシック" charset="0"/>
-                <a:cs typeface="ＭＳ Ｐゴシック" charset="0"/>
-              </a:rPr>
-              <a:t> ?Y}.</a:t>
-            </a:r>
-          </a:p>
-          <a:p>
-            <a:pPr>
-              <a:buFont typeface="Wingdings" charset="0"/>
-              <a:buNone/>
-            </a:pPr>
-            <a:endParaRPr lang="en-US" sz="3200" dirty="0">
+            <a:endParaRPr lang="en-US" dirty="0">
               <a:latin typeface="Arial" charset="0"/>
               <a:ea typeface="ＭＳ Ｐゴシック" charset="0"/>
               <a:cs typeface="ＭＳ Ｐゴシック" charset="0"/>
@@ -4067,7 +4094,7 @@
                 <a:ea typeface="ＭＳ Ｐゴシック" charset="0"/>
                 <a:cs typeface="ＭＳ Ｐゴシック" charset="0"/>
               </a:rPr>
-              <a:t>{?P </a:t>
+              <a:t>{?P a </a:t>
             </a:r>
             <a:r>
               <a:rPr lang="en-US" sz="3200" dirty="0" err="1">
@@ -4075,23 +4102,7 @@
                 <a:ea typeface="ＭＳ Ｐゴシック" charset="0"/>
                 <a:cs typeface="ＭＳ Ｐゴシック" charset="0"/>
               </a:rPr>
-              <a:t>rdf:type</a:t>
-            </a:r>
-            <a:r>
-              <a:rPr lang="en-US" sz="3200" dirty="0">
-                <a:latin typeface="Arial" charset="0"/>
-                <a:ea typeface="ＭＳ Ｐゴシック" charset="0"/>
-                <a:cs typeface="ＭＳ Ｐゴシック" charset="0"/>
-              </a:rPr>
-              <a:t> </a:t>
-            </a:r>
-            <a:r>
-              <a:rPr lang="en-US" sz="3200" dirty="0" err="1">
-                <a:latin typeface="Arial" charset="0"/>
-                <a:ea typeface="ＭＳ Ｐゴシック" charset="0"/>
-                <a:cs typeface="ＭＳ Ｐゴシック" charset="0"/>
-              </a:rPr>
-              <a:t>owl:FunctionalProperty</a:t>
+              <a:t>owl:InverseFunctionalProperty</a:t>
             </a:r>
             <a:r>
               <a:rPr lang="en-US" sz="3200" dirty="0">
@@ -4113,7 +4124,7 @@
                 <a:ea typeface="ＭＳ Ｐゴシック" charset="0"/>
                 <a:cs typeface="ＭＳ Ｐゴシック" charset="0"/>
               </a:rPr>
-              <a:t>  ?S ?P ?X. ?S ?P ?Y} </a:t>
+              <a:t>  ?X ?P ?O. ?Y ?P ?O} </a:t>
             </a:r>
           </a:p>
           <a:p>
@@ -4127,15 +4138,15 @@
                 <a:ea typeface="ＭＳ Ｐゴシック" charset="0"/>
                 <a:cs typeface="ＭＳ Ｐゴシック" charset="0"/>
               </a:rPr>
-              <a:t>  =&gt; </a:t>
-            </a:r>
-            <a:r>
-              <a:rPr lang="en-US" sz="3200" dirty="0" smtClean="0">
-                <a:latin typeface="Arial" charset="0"/>
-                <a:ea typeface="ＭＳ Ｐゴシック" charset="0"/>
-                <a:cs typeface="ＭＳ Ｐゴシック" charset="0"/>
-              </a:rPr>
-              <a:t> </a:t>
+              <a:t>  =&gt;  {?X </a:t>
+            </a:r>
+            <a:r>
+              <a:rPr lang="en-US" sz="3200" dirty="0" err="1">
+                <a:latin typeface="Arial" charset="0"/>
+                <a:ea typeface="ＭＳ Ｐゴシック" charset="0"/>
+                <a:cs typeface="ＭＳ Ｐゴシック" charset="0"/>
+              </a:rPr>
+              <a:t>owl:sameAs</a:t>
             </a:r>
             <a:r>
               <a:rPr lang="en-US" sz="3200" dirty="0">
@@ -4143,7 +4154,118 @@
                 <a:ea typeface="ＭＳ Ｐゴシック" charset="0"/>
                 <a:cs typeface="ＭＳ Ｐゴシック" charset="0"/>
               </a:rPr>
-              <a:t>{?X </a:t>
+              <a:t> ?Y}.</a:t>
+            </a:r>
+          </a:p>
+          <a:p>
+            <a:pPr>
+              <a:buFont typeface="Wingdings" charset="0"/>
+              <a:buNone/>
+            </a:pPr>
+            <a:endParaRPr lang="en-US" dirty="0">
+              <a:latin typeface="Arial" charset="0"/>
+              <a:ea typeface="ＭＳ Ｐゴシック" charset="0"/>
+              <a:cs typeface="ＭＳ Ｐゴシック" charset="0"/>
+            </a:endParaRPr>
+          </a:p>
+          <a:p>
+            <a:pPr>
+              <a:buNone/>
+            </a:pPr>
+            <a:r>
+              <a:rPr lang="en-US" dirty="0">
+                <a:latin typeface="Arial" charset="0"/>
+                <a:ea typeface="ＭＳ Ｐゴシック" charset="0"/>
+                <a:cs typeface="ＭＳ Ｐゴシック" charset="0"/>
+              </a:rPr>
+              <a:t># :</a:t>
+            </a:r>
+            <a:r>
+              <a:rPr lang="en-US" dirty="0" err="1">
+                <a:latin typeface="Arial" charset="0"/>
+                <a:ea typeface="ＭＳ Ｐゴシック" charset="0"/>
+                <a:cs typeface="ＭＳ Ｐゴシック" charset="0"/>
+              </a:rPr>
+              <a:t>hasMother</a:t>
+            </a:r>
+            <a:r>
+              <a:rPr lang="en-US" dirty="0">
+                <a:latin typeface="Arial" charset="0"/>
+                <a:ea typeface="ＭＳ Ｐゴシック" charset="0"/>
+                <a:cs typeface="ＭＳ Ｐゴシック" charset="0"/>
+              </a:rPr>
+              <a:t> a </a:t>
+            </a:r>
+            <a:r>
+              <a:rPr lang="en-US" dirty="0" err="1">
+                <a:latin typeface="Arial" charset="0"/>
+                <a:ea typeface="ＭＳ Ｐゴシック" charset="0"/>
+                <a:cs typeface="ＭＳ Ｐゴシック" charset="0"/>
+              </a:rPr>
+              <a:t>owl:FunctionalProperty</a:t>
+            </a:r>
+            <a:endParaRPr lang="en-US" dirty="0">
+              <a:latin typeface="Arial" charset="0"/>
+              <a:ea typeface="ＭＳ Ｐゴシック" charset="0"/>
+              <a:cs typeface="ＭＳ Ｐゴシック" charset="0"/>
+            </a:endParaRPr>
+          </a:p>
+          <a:p>
+            <a:pPr>
+              <a:buFont typeface="Wingdings" charset="0"/>
+              <a:buNone/>
+            </a:pPr>
+            <a:r>
+              <a:rPr lang="en-US" sz="3200" dirty="0">
+                <a:latin typeface="Arial" charset="0"/>
+                <a:ea typeface="ＭＳ Ｐゴシック" charset="0"/>
+                <a:cs typeface="ＭＳ Ｐゴシック" charset="0"/>
+              </a:rPr>
+              <a:t>{?P a </a:t>
+            </a:r>
+            <a:r>
+              <a:rPr lang="en-US" sz="3200" dirty="0" err="1">
+                <a:latin typeface="Arial" charset="0"/>
+                <a:ea typeface="ＭＳ Ｐゴシック" charset="0"/>
+                <a:cs typeface="ＭＳ Ｐゴシック" charset="0"/>
+              </a:rPr>
+              <a:t>owl:FunctionalProperty</a:t>
+            </a:r>
+            <a:r>
+              <a:rPr lang="en-US" sz="3200" dirty="0">
+                <a:latin typeface="Arial" charset="0"/>
+                <a:ea typeface="ＭＳ Ｐゴシック" charset="0"/>
+                <a:cs typeface="ＭＳ Ｐゴシック" charset="0"/>
+              </a:rPr>
+              <a:t>. </a:t>
+            </a:r>
+          </a:p>
+          <a:p>
+            <a:pPr>
+              <a:buFont typeface="Wingdings" charset="0"/>
+              <a:buNone/>
+            </a:pPr>
+            <a:r>
+              <a:rPr lang="en-US" sz="3200" dirty="0">
+                <a:latin typeface="Arial" charset="0"/>
+                <a:ea typeface="ＭＳ Ｐゴシック" charset="0"/>
+                <a:cs typeface="ＭＳ Ｐゴシック" charset="0"/>
+              </a:rPr>
+              <a:t>  ?S ?P ?X. ?S ?P ?Y} </a:t>
+            </a:r>
+          </a:p>
+          <a:p>
+            <a:pPr>
+              <a:buFont typeface="Wingdings" charset="0"/>
+              <a:buNone/>
+            </a:pPr>
+            <a:r>
+              <a:rPr lang="en-US" sz="3200" dirty="0">
+                <a:latin typeface="Arial" charset="0"/>
+                <a:ea typeface="ＭＳ Ｐゴシック" charset="0"/>
+                <a:cs typeface="ＭＳ Ｐゴシック" charset="0"/>
+              </a:rPr>
+              <a:t>  =&gt;  {?X </a:t>
             </a:r>
             <a:r>
               <a:rPr lang="en-US" sz="3200" dirty="0" err="1">
@@ -4183,7 +4305,7 @@
 </p:sld>
 </file>
 
-<file path=ppt/slides/slide4.xml><?xml version="1.0" encoding="utf-8"?>
+<file path=ppt/slides/slide5.xml><?xml version="1.0" encoding="utf-8"?>
 <p:sld xmlns:a="http://schemas.openxmlformats.org/drawingml/2006/main" xmlns:r="http://schemas.openxmlformats.org/officeDocument/2006/relationships" xmlns:p="http://schemas.openxmlformats.org/presentationml/2006/main">
   <p:cSld>
     <p:spTree>
@@ -4325,23 +4447,7 @@
                 <a:ea typeface="ＭＳ Ｐゴシック" charset="0"/>
                 <a:cs typeface="ＭＳ Ｐゴシック" charset="0"/>
               </a:rPr>
-              <a:t>  =&gt; </a:t>
-            </a:r>
-            <a:r>
-              <a:rPr lang="en-US" dirty="0" smtClean="0">
-                <a:latin typeface="Arial" charset="0"/>
-                <a:ea typeface="ＭＳ Ｐゴシック" charset="0"/>
-                <a:cs typeface="ＭＳ Ｐゴシック" charset="0"/>
-              </a:rPr>
-              <a:t> {?</a:t>
-            </a:r>
-            <a:r>
-              <a:rPr lang="en-US" dirty="0">
-                <a:latin typeface="Arial" charset="0"/>
-                <a:ea typeface="ＭＳ Ｐゴシック" charset="0"/>
-                <a:cs typeface="ＭＳ Ｐゴシック" charset="0"/>
-              </a:rPr>
-              <a:t>X ?P ?Y}.</a:t>
+              <a:t>  =&gt;  {?X ?P ?Y}.</a:t>
             </a:r>
           </a:p>
           <a:p>
@@ -4486,23 +4592,7 @@
                 <a:ea typeface="ＭＳ Ｐゴシック" charset="0"/>
                 <a:cs typeface="ＭＳ Ｐゴシック" charset="0"/>
               </a:rPr>
-              <a:t>  =&gt; </a:t>
-            </a:r>
-            <a:r>
-              <a:rPr lang="en-US" dirty="0" smtClean="0">
-                <a:latin typeface="Arial" charset="0"/>
-                <a:ea typeface="ＭＳ Ｐゴシック" charset="0"/>
-                <a:cs typeface="ＭＳ Ｐゴシック" charset="0"/>
-              </a:rPr>
-              <a:t>  </a:t>
-            </a:r>
-            <a:r>
-              <a:rPr lang="en-US" dirty="0">
-                <a:latin typeface="Arial" charset="0"/>
-                <a:ea typeface="ＭＳ Ｐゴシック" charset="0"/>
-                <a:cs typeface="ＭＳ Ｐゴシック" charset="0"/>
-              </a:rPr>
-              <a:t>{?R </a:t>
+              <a:t>  =&gt;   {?R </a:t>
             </a:r>
             <a:r>
               <a:rPr lang="en-US" dirty="0" err="1">
